--- a/조건부기대값 임용고시 2009.pptx
+++ b/조건부기대값 임용고시 2009.pptx
@@ -165,10 +165,9 @@
           </a:lstStyle>
           <a:p>
             <a:r>
-              <a:rPr lang="en-US" smtClean="0"/>
+              <a:rPr lang="en-US"/>
               <a:t>Click to edit Master title style</a:t>
             </a:r>
-            <a:endParaRPr lang="en-US"/>
           </a:p>
         </p:txBody>
       </p:sp>
@@ -230,10 +229,9 @@
           </a:lstStyle>
           <a:p>
             <a:r>
-              <a:rPr lang="en-US" smtClean="0"/>
+              <a:rPr lang="en-US"/>
               <a:t>Click to edit Master subtitle style</a:t>
             </a:r>
-            <a:endParaRPr lang="en-US"/>
           </a:p>
         </p:txBody>
       </p:sp>
@@ -254,7 +252,7 @@
           <a:p>
             <a:fld id="{5B3AD1D6-AE87-C841-B3FD-7C9F7FCAE5AE}" type="datetimeFigureOut">
               <a:rPr lang="en-US" smtClean="0"/>
-              <a:t>12/15/19</a:t>
+              <a:t>12/20/19</a:t>
             </a:fld>
             <a:endParaRPr lang="en-US"/>
           </a:p>
@@ -348,10 +346,9 @@
           <a:lstStyle/>
           <a:p>
             <a:r>
-              <a:rPr lang="en-US" smtClean="0"/>
+              <a:rPr lang="en-US"/>
               <a:t>Click to edit Master title style</a:t>
             </a:r>
-            <a:endParaRPr lang="en-US"/>
           </a:p>
         </p:txBody>
       </p:sp>
@@ -372,38 +369,37 @@
           <a:p>
             <a:pPr lvl="0"/>
             <a:r>
-              <a:rPr lang="en-US" smtClean="0"/>
+              <a:rPr lang="en-US"/>
               <a:t>Click to edit Master text styles</a:t>
             </a:r>
           </a:p>
           <a:p>
             <a:pPr lvl="1"/>
             <a:r>
-              <a:rPr lang="en-US" smtClean="0"/>
+              <a:rPr lang="en-US"/>
               <a:t>Second level</a:t>
             </a:r>
           </a:p>
           <a:p>
             <a:pPr lvl="2"/>
             <a:r>
-              <a:rPr lang="en-US" smtClean="0"/>
+              <a:rPr lang="en-US"/>
               <a:t>Third level</a:t>
             </a:r>
           </a:p>
           <a:p>
             <a:pPr lvl="3"/>
             <a:r>
-              <a:rPr lang="en-US" smtClean="0"/>
+              <a:rPr lang="en-US"/>
               <a:t>Fourth level</a:t>
             </a:r>
           </a:p>
           <a:p>
             <a:pPr lvl="4"/>
             <a:r>
-              <a:rPr lang="en-US" smtClean="0"/>
+              <a:rPr lang="en-US"/>
               <a:t>Fifth level</a:t>
             </a:r>
-            <a:endParaRPr lang="en-US"/>
           </a:p>
         </p:txBody>
       </p:sp>
@@ -424,7 +420,7 @@
           <a:p>
             <a:fld id="{5B3AD1D6-AE87-C841-B3FD-7C9F7FCAE5AE}" type="datetimeFigureOut">
               <a:rPr lang="en-US" smtClean="0"/>
-              <a:t>12/15/19</a:t>
+              <a:t>12/20/19</a:t>
             </a:fld>
             <a:endParaRPr lang="en-US"/>
           </a:p>
@@ -523,10 +519,9 @@
           <a:lstStyle/>
           <a:p>
             <a:r>
-              <a:rPr lang="en-US" smtClean="0"/>
+              <a:rPr lang="en-US"/>
               <a:t>Click to edit Master title style</a:t>
             </a:r>
-            <a:endParaRPr lang="en-US"/>
           </a:p>
         </p:txBody>
       </p:sp>
@@ -552,38 +547,37 @@
           <a:p>
             <a:pPr lvl="0"/>
             <a:r>
-              <a:rPr lang="en-US" smtClean="0"/>
+              <a:rPr lang="en-US"/>
               <a:t>Click to edit Master text styles</a:t>
             </a:r>
           </a:p>
           <a:p>
             <a:pPr lvl="1"/>
             <a:r>
-              <a:rPr lang="en-US" smtClean="0"/>
+              <a:rPr lang="en-US"/>
               <a:t>Second level</a:t>
             </a:r>
           </a:p>
           <a:p>
             <a:pPr lvl="2"/>
             <a:r>
-              <a:rPr lang="en-US" smtClean="0"/>
+              <a:rPr lang="en-US"/>
               <a:t>Third level</a:t>
             </a:r>
           </a:p>
           <a:p>
             <a:pPr lvl="3"/>
             <a:r>
-              <a:rPr lang="en-US" smtClean="0"/>
+              <a:rPr lang="en-US"/>
               <a:t>Fourth level</a:t>
             </a:r>
           </a:p>
           <a:p>
             <a:pPr lvl="4"/>
             <a:r>
-              <a:rPr lang="en-US" smtClean="0"/>
+              <a:rPr lang="en-US"/>
               <a:t>Fifth level</a:t>
             </a:r>
-            <a:endParaRPr lang="en-US"/>
           </a:p>
         </p:txBody>
       </p:sp>
@@ -604,7 +598,7 @@
           <a:p>
             <a:fld id="{5B3AD1D6-AE87-C841-B3FD-7C9F7FCAE5AE}" type="datetimeFigureOut">
               <a:rPr lang="en-US" smtClean="0"/>
-              <a:t>12/15/19</a:t>
+              <a:t>12/20/19</a:t>
             </a:fld>
             <a:endParaRPr lang="en-US"/>
           </a:p>
@@ -698,10 +692,9 @@
           <a:lstStyle/>
           <a:p>
             <a:r>
-              <a:rPr lang="en-US" smtClean="0"/>
+              <a:rPr lang="en-US"/>
               <a:t>Click to edit Master title style</a:t>
             </a:r>
-            <a:endParaRPr lang="en-US"/>
           </a:p>
         </p:txBody>
       </p:sp>
@@ -722,38 +715,37 @@
           <a:p>
             <a:pPr lvl="0"/>
             <a:r>
-              <a:rPr lang="en-US" smtClean="0"/>
+              <a:rPr lang="en-US"/>
               <a:t>Click to edit Master text styles</a:t>
             </a:r>
           </a:p>
           <a:p>
             <a:pPr lvl="1"/>
             <a:r>
-              <a:rPr lang="en-US" smtClean="0"/>
+              <a:rPr lang="en-US"/>
               <a:t>Second level</a:t>
             </a:r>
           </a:p>
           <a:p>
             <a:pPr lvl="2"/>
             <a:r>
-              <a:rPr lang="en-US" smtClean="0"/>
+              <a:rPr lang="en-US"/>
               <a:t>Third level</a:t>
             </a:r>
           </a:p>
           <a:p>
             <a:pPr lvl="3"/>
             <a:r>
-              <a:rPr lang="en-US" smtClean="0"/>
+              <a:rPr lang="en-US"/>
               <a:t>Fourth level</a:t>
             </a:r>
           </a:p>
           <a:p>
             <a:pPr lvl="4"/>
             <a:r>
-              <a:rPr lang="en-US" smtClean="0"/>
+              <a:rPr lang="en-US"/>
               <a:t>Fifth level</a:t>
             </a:r>
-            <a:endParaRPr lang="en-US"/>
           </a:p>
         </p:txBody>
       </p:sp>
@@ -774,7 +766,7 @@
           <a:p>
             <a:fld id="{5B3AD1D6-AE87-C841-B3FD-7C9F7FCAE5AE}" type="datetimeFigureOut">
               <a:rPr lang="en-US" smtClean="0"/>
-              <a:t>12/15/19</a:t>
+              <a:t>12/20/19</a:t>
             </a:fld>
             <a:endParaRPr lang="en-US"/>
           </a:p>
@@ -877,10 +869,9 @@
           </a:lstStyle>
           <a:p>
             <a:r>
-              <a:rPr lang="en-US" smtClean="0"/>
+              <a:rPr lang="en-US"/>
               <a:t>Click to edit Master title style</a:t>
             </a:r>
-            <a:endParaRPr lang="en-US"/>
           </a:p>
         </p:txBody>
       </p:sp>
@@ -997,7 +988,7 @@
           <a:p>
             <a:pPr lvl="0"/>
             <a:r>
-              <a:rPr lang="en-US" smtClean="0"/>
+              <a:rPr lang="en-US"/>
               <a:t>Click to edit Master text styles</a:t>
             </a:r>
           </a:p>
@@ -1020,7 +1011,7 @@
           <a:p>
             <a:fld id="{5B3AD1D6-AE87-C841-B3FD-7C9F7FCAE5AE}" type="datetimeFigureOut">
               <a:rPr lang="en-US" smtClean="0"/>
-              <a:t>12/15/19</a:t>
+              <a:t>12/20/19</a:t>
             </a:fld>
             <a:endParaRPr lang="en-US"/>
           </a:p>
@@ -1114,10 +1105,9 @@
           <a:lstStyle/>
           <a:p>
             <a:r>
-              <a:rPr lang="en-US" smtClean="0"/>
+              <a:rPr lang="en-US"/>
               <a:t>Click to edit Master title style</a:t>
             </a:r>
-            <a:endParaRPr lang="en-US"/>
           </a:p>
         </p:txBody>
       </p:sp>
@@ -1143,38 +1133,37 @@
           <a:p>
             <a:pPr lvl="0"/>
             <a:r>
-              <a:rPr lang="en-US" smtClean="0"/>
+              <a:rPr lang="en-US"/>
               <a:t>Click to edit Master text styles</a:t>
             </a:r>
           </a:p>
           <a:p>
             <a:pPr lvl="1"/>
             <a:r>
-              <a:rPr lang="en-US" smtClean="0"/>
+              <a:rPr lang="en-US"/>
               <a:t>Second level</a:t>
             </a:r>
           </a:p>
           <a:p>
             <a:pPr lvl="2"/>
             <a:r>
-              <a:rPr lang="en-US" smtClean="0"/>
+              <a:rPr lang="en-US"/>
               <a:t>Third level</a:t>
             </a:r>
           </a:p>
           <a:p>
             <a:pPr lvl="3"/>
             <a:r>
-              <a:rPr lang="en-US" smtClean="0"/>
+              <a:rPr lang="en-US"/>
               <a:t>Fourth level</a:t>
             </a:r>
           </a:p>
           <a:p>
             <a:pPr lvl="4"/>
             <a:r>
-              <a:rPr lang="en-US" smtClean="0"/>
+              <a:rPr lang="en-US"/>
               <a:t>Fifth level</a:t>
             </a:r>
-            <a:endParaRPr lang="en-US"/>
           </a:p>
         </p:txBody>
       </p:sp>
@@ -1200,38 +1189,37 @@
           <a:p>
             <a:pPr lvl="0"/>
             <a:r>
-              <a:rPr lang="en-US" smtClean="0"/>
+              <a:rPr lang="en-US"/>
               <a:t>Click to edit Master text styles</a:t>
             </a:r>
           </a:p>
           <a:p>
             <a:pPr lvl="1"/>
             <a:r>
-              <a:rPr lang="en-US" smtClean="0"/>
+              <a:rPr lang="en-US"/>
               <a:t>Second level</a:t>
             </a:r>
           </a:p>
           <a:p>
             <a:pPr lvl="2"/>
             <a:r>
-              <a:rPr lang="en-US" smtClean="0"/>
+              <a:rPr lang="en-US"/>
               <a:t>Third level</a:t>
             </a:r>
           </a:p>
           <a:p>
             <a:pPr lvl="3"/>
             <a:r>
-              <a:rPr lang="en-US" smtClean="0"/>
+              <a:rPr lang="en-US"/>
               <a:t>Fourth level</a:t>
             </a:r>
           </a:p>
           <a:p>
             <a:pPr lvl="4"/>
             <a:r>
-              <a:rPr lang="en-US" smtClean="0"/>
+              <a:rPr lang="en-US"/>
               <a:t>Fifth level</a:t>
             </a:r>
-            <a:endParaRPr lang="en-US"/>
           </a:p>
         </p:txBody>
       </p:sp>
@@ -1252,7 +1240,7 @@
           <a:p>
             <a:fld id="{5B3AD1D6-AE87-C841-B3FD-7C9F7FCAE5AE}" type="datetimeFigureOut">
               <a:rPr lang="en-US" smtClean="0"/>
-              <a:t>12/15/19</a:t>
+              <a:t>12/20/19</a:t>
             </a:fld>
             <a:endParaRPr lang="en-US"/>
           </a:p>
@@ -1351,10 +1339,9 @@
           <a:lstStyle/>
           <a:p>
             <a:r>
-              <a:rPr lang="en-US" smtClean="0"/>
+              <a:rPr lang="en-US"/>
               <a:t>Click to edit Master title style</a:t>
             </a:r>
-            <a:endParaRPr lang="en-US"/>
           </a:p>
         </p:txBody>
       </p:sp>
@@ -1417,7 +1404,7 @@
           <a:p>
             <a:pPr lvl="0"/>
             <a:r>
-              <a:rPr lang="en-US" smtClean="0"/>
+              <a:rPr lang="en-US"/>
               <a:t>Click to edit Master text styles</a:t>
             </a:r>
           </a:p>
@@ -1445,38 +1432,37 @@
           <a:p>
             <a:pPr lvl="0"/>
             <a:r>
-              <a:rPr lang="en-US" smtClean="0"/>
+              <a:rPr lang="en-US"/>
               <a:t>Click to edit Master text styles</a:t>
             </a:r>
           </a:p>
           <a:p>
             <a:pPr lvl="1"/>
             <a:r>
-              <a:rPr lang="en-US" smtClean="0"/>
+              <a:rPr lang="en-US"/>
               <a:t>Second level</a:t>
             </a:r>
           </a:p>
           <a:p>
             <a:pPr lvl="2"/>
             <a:r>
-              <a:rPr lang="en-US" smtClean="0"/>
+              <a:rPr lang="en-US"/>
               <a:t>Third level</a:t>
             </a:r>
           </a:p>
           <a:p>
             <a:pPr lvl="3"/>
             <a:r>
-              <a:rPr lang="en-US" smtClean="0"/>
+              <a:rPr lang="en-US"/>
               <a:t>Fourth level</a:t>
             </a:r>
           </a:p>
           <a:p>
             <a:pPr lvl="4"/>
             <a:r>
-              <a:rPr lang="en-US" smtClean="0"/>
+              <a:rPr lang="en-US"/>
               <a:t>Fifth level</a:t>
             </a:r>
-            <a:endParaRPr lang="en-US"/>
           </a:p>
         </p:txBody>
       </p:sp>
@@ -1539,7 +1525,7 @@
           <a:p>
             <a:pPr lvl="0"/>
             <a:r>
-              <a:rPr lang="en-US" smtClean="0"/>
+              <a:rPr lang="en-US"/>
               <a:t>Click to edit Master text styles</a:t>
             </a:r>
           </a:p>
@@ -1567,38 +1553,37 @@
           <a:p>
             <a:pPr lvl="0"/>
             <a:r>
-              <a:rPr lang="en-US" smtClean="0"/>
+              <a:rPr lang="en-US"/>
               <a:t>Click to edit Master text styles</a:t>
             </a:r>
           </a:p>
           <a:p>
             <a:pPr lvl="1"/>
             <a:r>
-              <a:rPr lang="en-US" smtClean="0"/>
+              <a:rPr lang="en-US"/>
               <a:t>Second level</a:t>
             </a:r>
           </a:p>
           <a:p>
             <a:pPr lvl="2"/>
             <a:r>
-              <a:rPr lang="en-US" smtClean="0"/>
+              <a:rPr lang="en-US"/>
               <a:t>Third level</a:t>
             </a:r>
           </a:p>
           <a:p>
             <a:pPr lvl="3"/>
             <a:r>
-              <a:rPr lang="en-US" smtClean="0"/>
+              <a:rPr lang="en-US"/>
               <a:t>Fourth level</a:t>
             </a:r>
           </a:p>
           <a:p>
             <a:pPr lvl="4"/>
             <a:r>
-              <a:rPr lang="en-US" smtClean="0"/>
+              <a:rPr lang="en-US"/>
               <a:t>Fifth level</a:t>
             </a:r>
-            <a:endParaRPr lang="en-US"/>
           </a:p>
         </p:txBody>
       </p:sp>
@@ -1619,7 +1604,7 @@
           <a:p>
             <a:fld id="{5B3AD1D6-AE87-C841-B3FD-7C9F7FCAE5AE}" type="datetimeFigureOut">
               <a:rPr lang="en-US" smtClean="0"/>
-              <a:t>12/15/19</a:t>
+              <a:t>12/20/19</a:t>
             </a:fld>
             <a:endParaRPr lang="en-US"/>
           </a:p>
@@ -1713,10 +1698,9 @@
           <a:lstStyle/>
           <a:p>
             <a:r>
-              <a:rPr lang="en-US" smtClean="0"/>
+              <a:rPr lang="en-US"/>
               <a:t>Click to edit Master title style</a:t>
             </a:r>
-            <a:endParaRPr lang="en-US"/>
           </a:p>
         </p:txBody>
       </p:sp>
@@ -1737,7 +1721,7 @@
           <a:p>
             <a:fld id="{5B3AD1D6-AE87-C841-B3FD-7C9F7FCAE5AE}" type="datetimeFigureOut">
               <a:rPr lang="en-US" smtClean="0"/>
-              <a:t>12/15/19</a:t>
+              <a:t>12/20/19</a:t>
             </a:fld>
             <a:endParaRPr lang="en-US"/>
           </a:p>
@@ -1832,7 +1816,7 @@
           <a:p>
             <a:fld id="{5B3AD1D6-AE87-C841-B3FD-7C9F7FCAE5AE}" type="datetimeFigureOut">
               <a:rPr lang="en-US" smtClean="0"/>
-              <a:t>12/15/19</a:t>
+              <a:t>12/20/19</a:t>
             </a:fld>
             <a:endParaRPr lang="en-US"/>
           </a:p>
@@ -1935,10 +1919,9 @@
           </a:lstStyle>
           <a:p>
             <a:r>
-              <a:rPr lang="en-US" smtClean="0"/>
+              <a:rPr lang="en-US"/>
               <a:t>Click to edit Master title style</a:t>
             </a:r>
-            <a:endParaRPr lang="en-US"/>
           </a:p>
         </p:txBody>
       </p:sp>
@@ -1992,38 +1975,37 @@
           <a:p>
             <a:pPr lvl="0"/>
             <a:r>
-              <a:rPr lang="en-US" smtClean="0"/>
+              <a:rPr lang="en-US"/>
               <a:t>Click to edit Master text styles</a:t>
             </a:r>
           </a:p>
           <a:p>
             <a:pPr lvl="1"/>
             <a:r>
-              <a:rPr lang="en-US" smtClean="0"/>
+              <a:rPr lang="en-US"/>
               <a:t>Second level</a:t>
             </a:r>
           </a:p>
           <a:p>
             <a:pPr lvl="2"/>
             <a:r>
-              <a:rPr lang="en-US" smtClean="0"/>
+              <a:rPr lang="en-US"/>
               <a:t>Third level</a:t>
             </a:r>
           </a:p>
           <a:p>
             <a:pPr lvl="3"/>
             <a:r>
-              <a:rPr lang="en-US" smtClean="0"/>
+              <a:rPr lang="en-US"/>
               <a:t>Fourth level</a:t>
             </a:r>
           </a:p>
           <a:p>
             <a:pPr lvl="4"/>
             <a:r>
-              <a:rPr lang="en-US" smtClean="0"/>
+              <a:rPr lang="en-US"/>
               <a:t>Fifth level</a:t>
             </a:r>
-            <a:endParaRPr lang="en-US"/>
           </a:p>
         </p:txBody>
       </p:sp>
@@ -2086,7 +2068,7 @@
           <a:p>
             <a:pPr lvl="0"/>
             <a:r>
-              <a:rPr lang="en-US" smtClean="0"/>
+              <a:rPr lang="en-US"/>
               <a:t>Click to edit Master text styles</a:t>
             </a:r>
           </a:p>
@@ -2109,7 +2091,7 @@
           <a:p>
             <a:fld id="{5B3AD1D6-AE87-C841-B3FD-7C9F7FCAE5AE}" type="datetimeFigureOut">
               <a:rPr lang="en-US" smtClean="0"/>
-              <a:t>12/15/19</a:t>
+              <a:t>12/20/19</a:t>
             </a:fld>
             <a:endParaRPr lang="en-US"/>
           </a:p>
@@ -2212,10 +2194,9 @@
           </a:lstStyle>
           <a:p>
             <a:r>
-              <a:rPr lang="en-US" smtClean="0"/>
+              <a:rPr lang="en-US"/>
               <a:t>Click to edit Master title style</a:t>
             </a:r>
-            <a:endParaRPr lang="en-US"/>
           </a:p>
         </p:txBody>
       </p:sp>
@@ -2339,7 +2320,7 @@
           <a:p>
             <a:pPr lvl="0"/>
             <a:r>
-              <a:rPr lang="en-US" smtClean="0"/>
+              <a:rPr lang="en-US"/>
               <a:t>Click to edit Master text styles</a:t>
             </a:r>
           </a:p>
@@ -2362,7 +2343,7 @@
           <a:p>
             <a:fld id="{5B3AD1D6-AE87-C841-B3FD-7C9F7FCAE5AE}" type="datetimeFigureOut">
               <a:rPr lang="en-US" smtClean="0"/>
-              <a:t>12/15/19</a:t>
+              <a:t>12/20/19</a:t>
             </a:fld>
             <a:endParaRPr lang="en-US"/>
           </a:p>
@@ -2471,10 +2452,9 @@
           <a:lstStyle/>
           <a:p>
             <a:r>
-              <a:rPr lang="en-US" smtClean="0"/>
+              <a:rPr lang="en-US"/>
               <a:t>Click to edit Master title style</a:t>
             </a:r>
-            <a:endParaRPr lang="en-US"/>
           </a:p>
         </p:txBody>
       </p:sp>
@@ -2505,38 +2485,37 @@
           <a:p>
             <a:pPr lvl="0"/>
             <a:r>
-              <a:rPr lang="en-US" smtClean="0"/>
+              <a:rPr lang="en-US"/>
               <a:t>Click to edit Master text styles</a:t>
             </a:r>
           </a:p>
           <a:p>
             <a:pPr lvl="1"/>
             <a:r>
-              <a:rPr lang="en-US" smtClean="0"/>
+              <a:rPr lang="en-US"/>
               <a:t>Second level</a:t>
             </a:r>
           </a:p>
           <a:p>
             <a:pPr lvl="2"/>
             <a:r>
-              <a:rPr lang="en-US" smtClean="0"/>
+              <a:rPr lang="en-US"/>
               <a:t>Third level</a:t>
             </a:r>
           </a:p>
           <a:p>
             <a:pPr lvl="3"/>
             <a:r>
-              <a:rPr lang="en-US" smtClean="0"/>
+              <a:rPr lang="en-US"/>
               <a:t>Fourth level</a:t>
             </a:r>
           </a:p>
           <a:p>
             <a:pPr lvl="4"/>
             <a:r>
-              <a:rPr lang="en-US" smtClean="0"/>
+              <a:rPr lang="en-US"/>
               <a:t>Fifth level</a:t>
             </a:r>
-            <a:endParaRPr lang="en-US"/>
           </a:p>
         </p:txBody>
       </p:sp>
@@ -2575,7 +2554,7 @@
           <a:p>
             <a:fld id="{5B3AD1D6-AE87-C841-B3FD-7C9F7FCAE5AE}" type="datetimeFigureOut">
               <a:rPr lang="en-US" smtClean="0"/>
-              <a:t>12/15/19</a:t>
+              <a:t>12/20/19</a:t>
             </a:fld>
             <a:endParaRPr lang="en-US"/>
           </a:p>
@@ -3002,29 +2981,6 @@
           </a:bodyPr>
           <a:lstStyle/>
           <a:p>
-            <a:r>
-              <a:rPr lang="en-US" sz="4000" dirty="0" smtClean="0">
-                <a:latin typeface="Arial Black" charset="0"/>
-                <a:ea typeface="Arial Black" charset="0"/>
-                <a:cs typeface="Arial Black" charset="0"/>
-              </a:rPr>
-              <a:t/>
-            </a:r>
-            <a:br>
-              <a:rPr lang="en-US" sz="4000" dirty="0" smtClean="0">
-                <a:latin typeface="Arial Black" charset="0"/>
-                <a:ea typeface="Arial Black" charset="0"/>
-                <a:cs typeface="Arial Black" charset="0"/>
-              </a:rPr>
-            </a:br>
-            <a:r>
-              <a:rPr lang="en-US" sz="4000" dirty="0">
-                <a:latin typeface="Arial Black" charset="0"/>
-                <a:ea typeface="Arial Black" charset="0"/>
-                <a:cs typeface="Arial Black" charset="0"/>
-              </a:rPr>
-              <a:t/>
-            </a:r>
             <a:br>
               <a:rPr lang="en-US" sz="4000" dirty="0">
                 <a:latin typeface="Arial Black" charset="0"/>
@@ -3032,29 +2988,6 @@
                 <a:cs typeface="Arial Black" charset="0"/>
               </a:rPr>
             </a:br>
-            <a:r>
-              <a:rPr lang="en-US" sz="4000" dirty="0" smtClean="0">
-                <a:latin typeface="Arial Black" charset="0"/>
-                <a:ea typeface="Arial Black" charset="0"/>
-                <a:cs typeface="Arial Black" charset="0"/>
-              </a:rPr>
-              <a:t/>
-            </a:r>
-            <a:br>
-              <a:rPr lang="en-US" sz="4000" dirty="0" smtClean="0">
-                <a:latin typeface="Arial Black" charset="0"/>
-                <a:ea typeface="Arial Black" charset="0"/>
-                <a:cs typeface="Arial Black" charset="0"/>
-              </a:rPr>
-            </a:br>
-            <a:r>
-              <a:rPr lang="en-US" sz="4000" dirty="0">
-                <a:latin typeface="Arial Black" charset="0"/>
-                <a:ea typeface="Arial Black" charset="0"/>
-                <a:cs typeface="Arial Black" charset="0"/>
-              </a:rPr>
-              <a:t/>
-            </a:r>
             <a:br>
               <a:rPr lang="en-US" sz="4000" dirty="0">
                 <a:latin typeface="Arial Black" charset="0"/>
@@ -3062,29 +2995,6 @@
                 <a:cs typeface="Arial Black" charset="0"/>
               </a:rPr>
             </a:br>
-            <a:r>
-              <a:rPr lang="en-US" sz="4000" dirty="0" smtClean="0">
-                <a:latin typeface="Arial Black" charset="0"/>
-                <a:ea typeface="Arial Black" charset="0"/>
-                <a:cs typeface="Arial Black" charset="0"/>
-              </a:rPr>
-              <a:t/>
-            </a:r>
-            <a:br>
-              <a:rPr lang="en-US" sz="4000" dirty="0" smtClean="0">
-                <a:latin typeface="Arial Black" charset="0"/>
-                <a:ea typeface="Arial Black" charset="0"/>
-                <a:cs typeface="Arial Black" charset="0"/>
-              </a:rPr>
-            </a:br>
-            <a:r>
-              <a:rPr lang="en-US" sz="4000" dirty="0">
-                <a:latin typeface="Arial Black" charset="0"/>
-                <a:ea typeface="Arial Black" charset="0"/>
-                <a:cs typeface="Arial Black" charset="0"/>
-              </a:rPr>
-              <a:t/>
-            </a:r>
             <a:br>
               <a:rPr lang="en-US" sz="4000" dirty="0">
                 <a:latin typeface="Arial Black" charset="0"/>
@@ -3092,29 +3002,6 @@
                 <a:cs typeface="Arial Black" charset="0"/>
               </a:rPr>
             </a:br>
-            <a:r>
-              <a:rPr lang="en-US" sz="4000" dirty="0" smtClean="0">
-                <a:latin typeface="Arial Black" charset="0"/>
-                <a:ea typeface="Arial Black" charset="0"/>
-                <a:cs typeface="Arial Black" charset="0"/>
-              </a:rPr>
-              <a:t/>
-            </a:r>
-            <a:br>
-              <a:rPr lang="en-US" sz="4000" dirty="0" smtClean="0">
-                <a:latin typeface="Arial Black" charset="0"/>
-                <a:ea typeface="Arial Black" charset="0"/>
-                <a:cs typeface="Arial Black" charset="0"/>
-              </a:rPr>
-            </a:br>
-            <a:r>
-              <a:rPr lang="en-US" sz="4000" dirty="0">
-                <a:latin typeface="Arial Black" charset="0"/>
-                <a:ea typeface="Arial Black" charset="0"/>
-                <a:cs typeface="Arial Black" charset="0"/>
-              </a:rPr>
-              <a:t/>
-            </a:r>
             <a:br>
               <a:rPr lang="en-US" sz="4000" dirty="0">
                 <a:latin typeface="Arial Black" charset="0"/>
@@ -3122,29 +3009,6 @@
                 <a:cs typeface="Arial Black" charset="0"/>
               </a:rPr>
             </a:br>
-            <a:r>
-              <a:rPr lang="en-US" sz="4000" dirty="0" smtClean="0">
-                <a:latin typeface="Arial Black" charset="0"/>
-                <a:ea typeface="Arial Black" charset="0"/>
-                <a:cs typeface="Arial Black" charset="0"/>
-              </a:rPr>
-              <a:t/>
-            </a:r>
-            <a:br>
-              <a:rPr lang="en-US" sz="4000" dirty="0" smtClean="0">
-                <a:latin typeface="Arial Black" charset="0"/>
-                <a:ea typeface="Arial Black" charset="0"/>
-                <a:cs typeface="Arial Black" charset="0"/>
-              </a:rPr>
-            </a:br>
-            <a:r>
-              <a:rPr lang="en-US" sz="4000" dirty="0">
-                <a:latin typeface="Arial Black" charset="0"/>
-                <a:ea typeface="Arial Black" charset="0"/>
-                <a:cs typeface="Arial Black" charset="0"/>
-              </a:rPr>
-              <a:t/>
-            </a:r>
             <a:br>
               <a:rPr lang="en-US" sz="4000" dirty="0">
                 <a:latin typeface="Arial Black" charset="0"/>
@@ -3152,23 +3016,50 @@
                 <a:cs typeface="Arial Black" charset="0"/>
               </a:rPr>
             </a:br>
-            <a:r>
-              <a:rPr lang="en-US" sz="4000" dirty="0" smtClean="0">
-                <a:latin typeface="Arial Black" charset="0"/>
-                <a:ea typeface="Arial Black" charset="0"/>
-                <a:cs typeface="Arial Black" charset="0"/>
-              </a:rPr>
-              <a:t/>
-            </a:r>
             <a:br>
-              <a:rPr lang="en-US" sz="4000" dirty="0" smtClean="0">
+              <a:rPr lang="en-US" sz="4000" dirty="0">
                 <a:latin typeface="Arial Black" charset="0"/>
                 <a:ea typeface="Arial Black" charset="0"/>
                 <a:cs typeface="Arial Black" charset="0"/>
               </a:rPr>
             </a:br>
-            <a:r>
-              <a:rPr lang="en-US" sz="6700" dirty="0" smtClean="0">
+            <a:br>
+              <a:rPr lang="en-US" sz="4000" dirty="0">
+                <a:latin typeface="Arial Black" charset="0"/>
+                <a:ea typeface="Arial Black" charset="0"/>
+                <a:cs typeface="Arial Black" charset="0"/>
+              </a:rPr>
+            </a:br>
+            <a:br>
+              <a:rPr lang="en-US" sz="4000" dirty="0">
+                <a:latin typeface="Arial Black" charset="0"/>
+                <a:ea typeface="Arial Black" charset="0"/>
+                <a:cs typeface="Arial Black" charset="0"/>
+              </a:rPr>
+            </a:br>
+            <a:br>
+              <a:rPr lang="en-US" sz="4000" dirty="0">
+                <a:latin typeface="Arial Black" charset="0"/>
+                <a:ea typeface="Arial Black" charset="0"/>
+                <a:cs typeface="Arial Black" charset="0"/>
+              </a:rPr>
+            </a:br>
+            <a:br>
+              <a:rPr lang="en-US" sz="4000" dirty="0">
+                <a:latin typeface="Arial Black" charset="0"/>
+                <a:ea typeface="Arial Black" charset="0"/>
+                <a:cs typeface="Arial Black" charset="0"/>
+              </a:rPr>
+            </a:br>
+            <a:br>
+              <a:rPr lang="en-US" sz="4000" dirty="0">
+                <a:latin typeface="Arial Black" charset="0"/>
+                <a:ea typeface="Arial Black" charset="0"/>
+                <a:cs typeface="Arial Black" charset="0"/>
+              </a:rPr>
+            </a:br>
+            <a:r>
+              <a:rPr lang="en-US" sz="6700" dirty="0">
                 <a:latin typeface="Arial Black" charset="0"/>
                 <a:ea typeface="Arial Black" charset="0"/>
                 <a:cs typeface="Arial Black" charset="0"/>
@@ -3176,14 +3067,14 @@
               <a:t>Problems</a:t>
             </a:r>
             <a:br>
-              <a:rPr lang="en-US" sz="6700" dirty="0" smtClean="0">
+              <a:rPr lang="en-US" sz="6700" dirty="0">
                 <a:latin typeface="Arial Black" charset="0"/>
                 <a:ea typeface="Arial Black" charset="0"/>
                 <a:cs typeface="Arial Black" charset="0"/>
               </a:rPr>
             </a:br>
             <a:r>
-              <a:rPr lang="en-US" sz="6700" dirty="0" smtClean="0">
+              <a:rPr lang="en-US" sz="6700" dirty="0">
                 <a:latin typeface="Arial Black" charset="0"/>
                 <a:ea typeface="Arial Black" charset="0"/>
                 <a:cs typeface="Arial Black" charset="0"/>
@@ -3191,14 +3082,14 @@
               <a:t>on</a:t>
             </a:r>
             <a:br>
-              <a:rPr lang="en-US" sz="6700" dirty="0" smtClean="0">
+              <a:rPr lang="en-US" sz="6700" dirty="0">
                 <a:latin typeface="Arial Black" charset="0"/>
                 <a:ea typeface="Arial Black" charset="0"/>
                 <a:cs typeface="Arial Black" charset="0"/>
               </a:rPr>
             </a:br>
             <a:r>
-              <a:rPr lang="en-US" sz="6700" dirty="0" smtClean="0">
+              <a:rPr lang="en-US" sz="6700" dirty="0">
                 <a:latin typeface="Arial Black" charset="0"/>
                 <a:ea typeface="Arial Black" charset="0"/>
                 <a:cs typeface="Arial Black" charset="0"/>
@@ -3206,22 +3097,22 @@
               <a:t>Conditional Expectation</a:t>
             </a:r>
             <a:br>
-              <a:rPr lang="en-US" sz="6700" dirty="0" smtClean="0">
+              <a:rPr lang="en-US" sz="6700" dirty="0">
                 <a:latin typeface="Arial Black" charset="0"/>
                 <a:ea typeface="Arial Black" charset="0"/>
                 <a:cs typeface="Arial Black" charset="0"/>
               </a:rPr>
             </a:br>
             <a:r>
-              <a:rPr lang="en-US" sz="6700" dirty="0" smtClean="0">
+              <a:rPr lang="en-US" altLang="ko-KR" sz="6700" dirty="0">
                 <a:latin typeface="Arial Black" charset="0"/>
                 <a:ea typeface="Arial Black" charset="0"/>
                 <a:cs typeface="Arial Black" charset="0"/>
               </a:rPr>
-              <a:t/>
+              <a:t>2009</a:t>
             </a:r>
             <a:br>
-              <a:rPr lang="en-US" sz="6700" dirty="0" smtClean="0">
+              <a:rPr lang="en-US" sz="6700" dirty="0">
                 <a:latin typeface="Arial Black" charset="0"/>
                 <a:ea typeface="Arial Black" charset="0"/>
                 <a:cs typeface="Arial Black" charset="0"/>
@@ -3579,18 +3470,13 @@
           <a:lstStyle/>
           <a:p>
             <a:r>
-              <a:rPr lang="en-US" sz="4000" dirty="0" smtClean="0">
+              <a:rPr lang="en-US" sz="4000" dirty="0">
                 <a:latin typeface="Arial Black" charset="0"/>
                 <a:ea typeface="Arial Black" charset="0"/>
                 <a:cs typeface="Arial Black" charset="0"/>
               </a:rPr>
               <a:t>Reference</a:t>
             </a:r>
-            <a:endParaRPr lang="en-US" sz="4000" dirty="0">
-              <a:latin typeface="Arial Black" charset="0"/>
-              <a:ea typeface="Arial Black" charset="0"/>
-              <a:cs typeface="Arial Black" charset="0"/>
-            </a:endParaRPr>
           </a:p>
         </p:txBody>
       </p:sp>
@@ -3609,7 +3495,7 @@
           <a:bodyPr/>
           <a:lstStyle/>
           <a:p>
-            <a:endParaRPr lang="en-US" sz="2000" dirty="0" smtClean="0">
+            <a:endParaRPr lang="en-US" sz="2000" dirty="0">
               <a:latin typeface="Arial Black" charset="0"/>
               <a:ea typeface="Arial Black" charset="0"/>
               <a:cs typeface="Arial Black" charset="0"/>
@@ -3618,7 +3504,7 @@
           </a:p>
           <a:p>
             <a:r>
-              <a:rPr lang="en-US" sz="2000" dirty="0" smtClean="0">
+              <a:rPr lang="en-US" sz="2000" dirty="0">
                 <a:latin typeface="Arial Black" charset="0"/>
                 <a:ea typeface="Arial Black" charset="0"/>
                 <a:cs typeface="Arial Black" charset="0"/>
@@ -3626,14 +3512,14 @@
               </a:rPr>
               <a:t>Data</a:t>
             </a:r>
-            <a:endParaRPr lang="en-US" sz="2000" dirty="0" smtClean="0">
+            <a:endParaRPr lang="en-US" sz="2000" dirty="0">
               <a:latin typeface="Arial Black" charset="0"/>
               <a:ea typeface="Arial Black" charset="0"/>
               <a:cs typeface="Arial Black" charset="0"/>
             </a:endParaRPr>
           </a:p>
           <a:p>
-            <a:endParaRPr lang="en-US" sz="2000" dirty="0" smtClean="0">
+            <a:endParaRPr lang="en-US" sz="2000" dirty="0">
               <a:latin typeface="Arial Black" charset="0"/>
               <a:ea typeface="Arial Black" charset="0"/>
               <a:cs typeface="Arial Black" charset="0"/>
@@ -3641,7 +3527,7 @@
           </a:p>
           <a:p>
             <a:r>
-              <a:rPr lang="en-US" sz="2000" dirty="0" smtClean="0">
+              <a:rPr lang="en-US" sz="2000" dirty="0">
                 <a:latin typeface="Arial Black" charset="0"/>
                 <a:ea typeface="Arial Black" charset="0"/>
                 <a:cs typeface="Arial Black" charset="0"/>
@@ -3649,14 +3535,14 @@
               </a:rPr>
               <a:t>Youtube</a:t>
             </a:r>
-            <a:endParaRPr lang="en-US" sz="2000" dirty="0" smtClean="0">
+            <a:endParaRPr lang="en-US" sz="2000" dirty="0">
               <a:latin typeface="Arial Black" charset="0"/>
               <a:ea typeface="Arial Black" charset="0"/>
               <a:cs typeface="Arial Black" charset="0"/>
             </a:endParaRPr>
           </a:p>
           <a:p>
-            <a:endParaRPr lang="en-US" dirty="0" smtClean="0">
+            <a:endParaRPr lang="en-US" dirty="0">
               <a:latin typeface="Arial Black" charset="0"/>
               <a:ea typeface="Arial Black" charset="0"/>
               <a:cs typeface="Arial Black" charset="0"/>
@@ -3664,7 +3550,7 @@
           </a:p>
           <a:p>
             <a:r>
-              <a:rPr lang="en-US" sz="2000" dirty="0" smtClean="0">
+              <a:rPr lang="en-US" sz="2000" dirty="0">
                 <a:latin typeface="Arial Black" charset="0"/>
                 <a:ea typeface="Arial Black" charset="0"/>
                 <a:cs typeface="Arial Black" charset="0"/>
@@ -3672,7 +3558,7 @@
               </a:rPr>
               <a:t>Code</a:t>
             </a:r>
-            <a:endParaRPr lang="en-US" sz="2000" dirty="0" smtClean="0">
+            <a:endParaRPr lang="en-US" sz="2000" dirty="0">
               <a:latin typeface="Arial Black" charset="0"/>
               <a:ea typeface="Arial Black" charset="0"/>
               <a:cs typeface="Arial Black" charset="0"/>
@@ -3691,13 +3577,6 @@
   <p:clrMapOvr>
     <a:masterClrMapping/>
   </p:clrMapOvr>
-  <p:timing>
-    <p:tnLst>
-      <p:par>
-        <p:cTn id="1" dur="indefinite" restart="never" nodeType="tmRoot"/>
-      </p:par>
-    </p:tnLst>
-  </p:timing>
 </p:sld>
 </file>
 
@@ -3741,18 +3620,13 @@
           <a:lstStyle/>
           <a:p>
             <a:r>
-              <a:rPr lang="en-US" sz="4000" dirty="0" smtClean="0">
+              <a:rPr lang="en-US" sz="4000" dirty="0">
                 <a:latin typeface="Arial Black" charset="0"/>
                 <a:ea typeface="Arial Black" charset="0"/>
                 <a:cs typeface="Arial Black" charset="0"/>
               </a:rPr>
               <a:t>[2009]</a:t>
             </a:r>
-            <a:endParaRPr lang="en-US" sz="4000" dirty="0">
-              <a:latin typeface="Arial Black" charset="0"/>
-              <a:ea typeface="Arial Black" charset="0"/>
-              <a:cs typeface="Arial Black" charset="0"/>
-            </a:endParaRPr>
           </a:p>
         </p:txBody>
       </p:sp>
